--- a/UpdateDecember13.pptx
+++ b/UpdateDecember13.pptx
@@ -109,7 +109,49 @@
       </a:defRPr>
     </a:lvl9pPr>
   </p:defaultTextStyle>
+  <p:extLst>
+    <p:ext uri="{EFAFB233-063F-42B5-8137-9DF3F51BA10A}">
+      <p15:sldGuideLst xmlns:p15="http://schemas.microsoft.com/office/powerpoint/2012/main"/>
+    </p:ext>
+  </p:extLst>
 </p:presentation>
+</file>
+
+<file path=ppt/changesInfos/changesInfo1.xml><?xml version="1.0" encoding="utf-8"?>
+<pc:chgInfo xmlns:a="http://schemas.openxmlformats.org/drawingml/2006/main" xmlns:r="http://schemas.openxmlformats.org/officeDocument/2006/relationships" xmlns:ac="http://schemas.microsoft.com/office/drawing/2013/main/command" xmlns:pc="http://schemas.microsoft.com/office/powerpoint/2013/main/command">
+  <pc:docChgLst>
+    <pc:chgData name="Sudarshan Nagesh" userId="3284f62005fb716d" providerId="LiveId" clId="{E18C06BB-5D09-4115-BD1B-37F3D11D0F52}"/>
+    <pc:docChg chg="modSld">
+      <pc:chgData name="Sudarshan Nagesh" userId="3284f62005fb716d" providerId="LiveId" clId="{E18C06BB-5D09-4115-BD1B-37F3D11D0F52}" dt="2017-12-14T00:24:22.235" v="53" actId="1076"/>
+      <pc:docMkLst>
+        <pc:docMk/>
+      </pc:docMkLst>
+      <pc:sldChg chg="modSp">
+        <pc:chgData name="Sudarshan Nagesh" userId="3284f62005fb716d" providerId="LiveId" clId="{E18C06BB-5D09-4115-BD1B-37F3D11D0F52}" dt="2017-12-14T00:24:22.235" v="53" actId="1076"/>
+        <pc:sldMkLst>
+          <pc:docMk/>
+          <pc:sldMk cId="2944247364" sldId="258"/>
+        </pc:sldMkLst>
+        <pc:spChg chg="mod">
+          <ac:chgData name="Sudarshan Nagesh" userId="3284f62005fb716d" providerId="LiveId" clId="{E18C06BB-5D09-4115-BD1B-37F3D11D0F52}" dt="2017-12-14T00:24:22.235" v="53" actId="1076"/>
+          <ac:spMkLst>
+            <pc:docMk/>
+            <pc:sldMk cId="2944247364" sldId="258"/>
+            <ac:spMk id="77" creationId="{3978D717-D19F-4FA2-A9EB-A2DB8D8235AA}"/>
+          </ac:spMkLst>
+        </pc:spChg>
+        <pc:spChg chg="mod">
+          <ac:chgData name="Sudarshan Nagesh" userId="3284f62005fb716d" providerId="LiveId" clId="{E18C06BB-5D09-4115-BD1B-37F3D11D0F52}" dt="2017-12-14T00:23:49.111" v="52" actId="20577"/>
+          <ac:spMkLst>
+            <pc:docMk/>
+            <pc:sldMk cId="2944247364" sldId="258"/>
+            <ac:spMk id="85" creationId="{AEF28963-813A-4588-9298-5BFDA16F7867}"/>
+          </ac:spMkLst>
+        </pc:spChg>
+      </pc:sldChg>
+    </pc:docChg>
+  </pc:docChgLst>
+</pc:chgInfo>
 </file>
 
 <file path=ppt/slideLayouts/slideLayout1.xml><?xml version="1.0" encoding="utf-8"?>
@@ -4119,7 +4161,7 @@
             </p:nvSpPr>
             <p:spPr>
               <a:xfrm>
-                <a:off x="473186" y="2843868"/>
+                <a:off x="1436749" y="2774346"/>
                 <a:ext cx="276101" cy="276999"/>
               </a:xfrm>
               <a:prstGeom prst="rect">
@@ -4133,6 +4175,7 @@
               </a:bodyPr>
               <a:lstStyle/>
               <a:p>
+                <a:pPr/>
                 <a14:m>
                   <m:oMathPara xmlns:m="http://schemas.openxmlformats.org/officeDocument/2006/math">
                     <m:oMathParaPr>
@@ -4189,7 +4232,7 @@
             </p:nvSpPr>
             <p:spPr>
               <a:xfrm>
-                <a:off x="473186" y="2843868"/>
+                <a:off x="1436749" y="2774346"/>
                 <a:ext cx="276101" cy="276999"/>
               </a:xfrm>
               <a:prstGeom prst="rect">
@@ -4198,7 +4241,7 @@
               <a:blipFill>
                 <a:blip r:embed="rId9"/>
                 <a:stretch>
-                  <a:fillRect l="-13333" r="-6667" b="-15556"/>
+                  <a:fillRect l="-13333" r="-6667" b="-15217"/>
                 </a:stretch>
               </a:blipFill>
             </p:spPr>
@@ -4217,8 +4260,8 @@
           </p:sp>
         </mc:Fallback>
       </mc:AlternateContent>
-      <mc:AlternateContent xmlns:mc="http://schemas.openxmlformats.org/markup-compatibility/2006">
-        <mc:Choice xmlns:a14="http://schemas.microsoft.com/office/drawing/2010/main" Requires="a14">
+      <mc:AlternateContent xmlns:mc="http://schemas.openxmlformats.org/markup-compatibility/2006" xmlns:a14="http://schemas.microsoft.com/office/drawing/2010/main">
+        <mc:Choice Requires="a14">
           <p:sp>
             <p:nvSpPr>
               <p:cNvPr id="78" name="TextBox 77">
@@ -4247,6 +4290,7 @@
               </a:bodyPr>
               <a:lstStyle/>
               <a:p>
+                <a:pPr/>
                 <a14:m>
                   <m:oMathPara xmlns:m="http://schemas.openxmlformats.org/officeDocument/2006/math">
                     <m:oMathParaPr>
@@ -4273,7 +4317,7 @@
             </p:txBody>
           </p:sp>
         </mc:Choice>
-        <mc:Fallback>
+        <mc:Fallback xmlns="">
           <p:sp>
             <p:nvSpPr>
               <p:cNvPr id="78" name="TextBox 77">
@@ -4318,8 +4362,8 @@
           </p:sp>
         </mc:Fallback>
       </mc:AlternateContent>
-      <mc:AlternateContent xmlns:mc="http://schemas.openxmlformats.org/markup-compatibility/2006">
-        <mc:Choice xmlns:a14="http://schemas.microsoft.com/office/drawing/2010/main" Requires="a14">
+      <mc:AlternateContent xmlns:mc="http://schemas.openxmlformats.org/markup-compatibility/2006" xmlns:a14="http://schemas.microsoft.com/office/drawing/2010/main">
+        <mc:Choice Requires="a14">
           <p:sp>
             <p:nvSpPr>
               <p:cNvPr id="79" name="TextBox 78">
@@ -4348,6 +4392,7 @@
               </a:bodyPr>
               <a:lstStyle/>
               <a:p>
+                <a:pPr/>
                 <a14:m>
                   <m:oMathPara xmlns:m="http://schemas.openxmlformats.org/officeDocument/2006/math">
                     <m:oMathParaPr>
@@ -4374,7 +4419,7 @@
             </p:txBody>
           </p:sp>
         </mc:Choice>
-        <mc:Fallback>
+        <mc:Fallback xmlns="">
           <p:sp>
             <p:nvSpPr>
               <p:cNvPr id="79" name="TextBox 78">
@@ -4419,8 +4464,8 @@
           </p:sp>
         </mc:Fallback>
       </mc:AlternateContent>
-      <mc:AlternateContent xmlns:mc="http://schemas.openxmlformats.org/markup-compatibility/2006">
-        <mc:Choice xmlns:a14="http://schemas.microsoft.com/office/drawing/2010/main" Requires="a14">
+      <mc:AlternateContent xmlns:mc="http://schemas.openxmlformats.org/markup-compatibility/2006" xmlns:a14="http://schemas.microsoft.com/office/drawing/2010/main">
+        <mc:Choice Requires="a14">
           <p:sp>
             <p:nvSpPr>
               <p:cNvPr id="80" name="TextBox 79">
@@ -4449,6 +4494,7 @@
               </a:bodyPr>
               <a:lstStyle/>
               <a:p>
+                <a:pPr/>
                 <a14:m>
                   <m:oMathPara xmlns:m="http://schemas.openxmlformats.org/officeDocument/2006/math">
                     <m:oMathParaPr>
@@ -4487,7 +4533,7 @@
             </p:txBody>
           </p:sp>
         </mc:Choice>
-        <mc:Fallback>
+        <mc:Fallback xmlns="">
           <p:sp>
             <p:nvSpPr>
               <p:cNvPr id="80" name="TextBox 79">
@@ -5129,7 +5175,7 @@
             <a:pPr algn="ctr"/>
             <a:r>
               <a:rPr lang="en-US" sz="2500" dirty="0"/>
-              <a:t>Can we use the scattered photons too?</a:t>
+              <a:t>The scattered photons were hard to use. </a:t>
             </a:r>
           </a:p>
         </p:txBody>
@@ -5217,8 +5263,8 @@
             <a:chExt cx="553037" cy="4880909"/>
           </a:xfrm>
         </p:grpSpPr>
-        <mc:AlternateContent xmlns:mc="http://schemas.openxmlformats.org/markup-compatibility/2006">
-          <mc:Choice xmlns:a14="http://schemas.microsoft.com/office/drawing/2010/main" Requires="a14">
+        <mc:AlternateContent xmlns:mc="http://schemas.openxmlformats.org/markup-compatibility/2006" xmlns:a14="http://schemas.microsoft.com/office/drawing/2010/main">
+          <mc:Choice Requires="a14">
             <p:sp>
               <p:nvSpPr>
                 <p:cNvPr id="10" name="TextBox 9">
@@ -5247,6 +5293,7 @@
                 </a:bodyPr>
                 <a:lstStyle/>
                 <a:p>
+                  <a:pPr/>
                   <a14:m>
                     <m:oMathPara xmlns:m="http://schemas.openxmlformats.org/officeDocument/2006/math">
                       <m:oMathParaPr>
@@ -5273,7 +5320,7 @@
               </p:txBody>
             </p:sp>
           </mc:Choice>
-          <mc:Fallback>
+          <mc:Fallback xmlns="">
             <p:sp>
               <p:nvSpPr>
                 <p:cNvPr id="10" name="TextBox 9">
@@ -5318,8 +5365,8 @@
             </p:sp>
           </mc:Fallback>
         </mc:AlternateContent>
-        <mc:AlternateContent xmlns:mc="http://schemas.openxmlformats.org/markup-compatibility/2006">
-          <mc:Choice xmlns:a14="http://schemas.microsoft.com/office/drawing/2010/main" Requires="a14">
+        <mc:AlternateContent xmlns:mc="http://schemas.openxmlformats.org/markup-compatibility/2006" xmlns:a14="http://schemas.microsoft.com/office/drawing/2010/main">
+          <mc:Choice Requires="a14">
             <p:sp>
               <p:nvSpPr>
                 <p:cNvPr id="11" name="TextBox 10">
@@ -5348,6 +5395,7 @@
                 </a:bodyPr>
                 <a:lstStyle/>
                 <a:p>
+                  <a:pPr/>
                   <a14:m>
                     <m:oMathPara xmlns:m="http://schemas.openxmlformats.org/officeDocument/2006/math">
                       <m:oMathParaPr>
@@ -5374,7 +5422,7 @@
               </p:txBody>
             </p:sp>
           </mc:Choice>
-          <mc:Fallback>
+          <mc:Fallback xmlns="">
             <p:sp>
               <p:nvSpPr>
                 <p:cNvPr id="11" name="TextBox 10">
@@ -5419,8 +5467,8 @@
             </p:sp>
           </mc:Fallback>
         </mc:AlternateContent>
-        <mc:AlternateContent xmlns:mc="http://schemas.openxmlformats.org/markup-compatibility/2006">
-          <mc:Choice xmlns:a14="http://schemas.microsoft.com/office/drawing/2010/main" Requires="a14">
+        <mc:AlternateContent xmlns:mc="http://schemas.openxmlformats.org/markup-compatibility/2006" xmlns:a14="http://schemas.microsoft.com/office/drawing/2010/main">
+          <mc:Choice Requires="a14">
             <p:sp>
               <p:nvSpPr>
                 <p:cNvPr id="12" name="TextBox 11">
@@ -5449,6 +5497,7 @@
                 </a:bodyPr>
                 <a:lstStyle/>
                 <a:p>
+                  <a:pPr/>
                   <a14:m>
                     <m:oMathPara xmlns:m="http://schemas.openxmlformats.org/officeDocument/2006/math">
                       <m:oMathParaPr>
@@ -5475,7 +5524,7 @@
               </p:txBody>
             </p:sp>
           </mc:Choice>
-          <mc:Fallback>
+          <mc:Fallback xmlns="">
             <p:sp>
               <p:nvSpPr>
                 <p:cNvPr id="12" name="TextBox 11">
@@ -6000,8 +6049,8 @@
           </a:fontRef>
         </p:style>
       </p:cxnSp>
-      <mc:AlternateContent xmlns:mc="http://schemas.openxmlformats.org/markup-compatibility/2006">
-        <mc:Choice xmlns:a14="http://schemas.microsoft.com/office/drawing/2010/main" Requires="a14">
+      <mc:AlternateContent xmlns:mc="http://schemas.openxmlformats.org/markup-compatibility/2006" xmlns:a14="http://schemas.microsoft.com/office/drawing/2010/main">
+        <mc:Choice Requires="a14">
           <p:sp>
             <p:nvSpPr>
               <p:cNvPr id="18" name="TextBox 17">
@@ -6030,6 +6079,7 @@
               </a:bodyPr>
               <a:lstStyle/>
               <a:p>
+                <a:pPr/>
                 <a14:m>
                   <m:oMathPara xmlns:m="http://schemas.openxmlformats.org/officeDocument/2006/math">
                     <m:oMathParaPr>
@@ -6056,7 +6106,7 @@
             </p:txBody>
           </p:sp>
         </mc:Choice>
-        <mc:Fallback>
+        <mc:Fallback xmlns="">
           <p:sp>
             <p:nvSpPr>
               <p:cNvPr id="18" name="TextBox 17">
@@ -6634,8 +6684,8 @@
             <a:chExt cx="553037" cy="4880909"/>
           </a:xfrm>
         </p:grpSpPr>
-        <mc:AlternateContent xmlns:mc="http://schemas.openxmlformats.org/markup-compatibility/2006">
-          <mc:Choice xmlns:a14="http://schemas.microsoft.com/office/drawing/2010/main" Requires="a14">
+        <mc:AlternateContent xmlns:mc="http://schemas.openxmlformats.org/markup-compatibility/2006" xmlns:a14="http://schemas.microsoft.com/office/drawing/2010/main">
+          <mc:Choice Requires="a14">
             <p:sp>
               <p:nvSpPr>
                 <p:cNvPr id="70" name="TextBox 69">
@@ -6664,6 +6714,7 @@
                 </a:bodyPr>
                 <a:lstStyle/>
                 <a:p>
+                  <a:pPr/>
                   <a14:m>
                     <m:oMathPara xmlns:m="http://schemas.openxmlformats.org/officeDocument/2006/math">
                       <m:oMathParaPr>
@@ -6702,7 +6753,7 @@
               </p:txBody>
             </p:sp>
           </mc:Choice>
-          <mc:Fallback>
+          <mc:Fallback xmlns="">
             <p:sp>
               <p:nvSpPr>
                 <p:cNvPr id="70" name="TextBox 69">
@@ -6747,8 +6798,8 @@
             </p:sp>
           </mc:Fallback>
         </mc:AlternateContent>
-        <mc:AlternateContent xmlns:mc="http://schemas.openxmlformats.org/markup-compatibility/2006">
-          <mc:Choice xmlns:a14="http://schemas.microsoft.com/office/drawing/2010/main" Requires="a14">
+        <mc:AlternateContent xmlns:mc="http://schemas.openxmlformats.org/markup-compatibility/2006" xmlns:a14="http://schemas.microsoft.com/office/drawing/2010/main">
+          <mc:Choice Requires="a14">
             <p:sp>
               <p:nvSpPr>
                 <p:cNvPr id="71" name="TextBox 70">
@@ -6777,6 +6828,7 @@
                 </a:bodyPr>
                 <a:lstStyle/>
                 <a:p>
+                  <a:pPr/>
                   <a14:m>
                     <m:oMathPara xmlns:m="http://schemas.openxmlformats.org/officeDocument/2006/math">
                       <m:oMathParaPr>
@@ -6815,7 +6867,7 @@
               </p:txBody>
             </p:sp>
           </mc:Choice>
-          <mc:Fallback>
+          <mc:Fallback xmlns="">
             <p:sp>
               <p:nvSpPr>
                 <p:cNvPr id="71" name="TextBox 70">
@@ -6860,8 +6912,8 @@
             </p:sp>
           </mc:Fallback>
         </mc:AlternateContent>
-        <mc:AlternateContent xmlns:mc="http://schemas.openxmlformats.org/markup-compatibility/2006">
-          <mc:Choice xmlns:a14="http://schemas.microsoft.com/office/drawing/2010/main" Requires="a14">
+        <mc:AlternateContent xmlns:mc="http://schemas.openxmlformats.org/markup-compatibility/2006" xmlns:a14="http://schemas.microsoft.com/office/drawing/2010/main">
+          <mc:Choice Requires="a14">
             <p:sp>
               <p:nvSpPr>
                 <p:cNvPr id="72" name="TextBox 71">
@@ -6890,6 +6942,7 @@
                 </a:bodyPr>
                 <a:lstStyle/>
                 <a:p>
+                  <a:pPr/>
                   <a14:m>
                     <m:oMathPara xmlns:m="http://schemas.openxmlformats.org/officeDocument/2006/math">
                       <m:oMathParaPr>
@@ -6928,7 +6981,7 @@
               </p:txBody>
             </p:sp>
           </mc:Choice>
-          <mc:Fallback>
+          <mc:Fallback xmlns="">
             <p:sp>
               <p:nvSpPr>
                 <p:cNvPr id="72" name="TextBox 71">
@@ -8150,8 +8203,8 @@
           </a:ln>
         </p:spPr>
       </p:pic>
-      <mc:AlternateContent xmlns:mc="http://schemas.openxmlformats.org/markup-compatibility/2006">
-        <mc:Choice xmlns:a14="http://schemas.microsoft.com/office/drawing/2010/main" Requires="a14">
+      <mc:AlternateContent xmlns:mc="http://schemas.openxmlformats.org/markup-compatibility/2006" xmlns:a14="http://schemas.microsoft.com/office/drawing/2010/main">
+        <mc:Choice Requires="a14">
           <p:sp>
             <p:nvSpPr>
               <p:cNvPr id="77" name="TextBox 76">
@@ -8180,6 +8233,7 @@
               </a:bodyPr>
               <a:lstStyle/>
               <a:p>
+                <a:pPr/>
                 <a14:m>
                   <m:oMathPara xmlns:m="http://schemas.openxmlformats.org/officeDocument/2006/math">
                     <m:oMathParaPr>
@@ -8219,7 +8273,7 @@
             </p:txBody>
           </p:sp>
         </mc:Choice>
-        <mc:Fallback>
+        <mc:Fallback xmlns="">
           <p:sp>
             <p:nvSpPr>
               <p:cNvPr id="77" name="TextBox 76">
@@ -9066,8 +9120,8 @@
           </a:ln>
         </p:spPr>
       </p:pic>
-      <mc:AlternateContent xmlns:mc="http://schemas.openxmlformats.org/markup-compatibility/2006">
-        <mc:Choice xmlns:a14="http://schemas.microsoft.com/office/drawing/2010/main" Requires="a14">
+      <mc:AlternateContent xmlns:mc="http://schemas.openxmlformats.org/markup-compatibility/2006" xmlns:a14="http://schemas.microsoft.com/office/drawing/2010/main">
+        <mc:Choice Requires="a14">
           <p:sp>
             <p:nvSpPr>
               <p:cNvPr id="43" name="TextBox 42">
@@ -9096,6 +9150,7 @@
               </a:bodyPr>
               <a:lstStyle/>
               <a:p>
+                <a:pPr/>
                 <a14:m>
                   <m:oMathPara xmlns:m="http://schemas.openxmlformats.org/officeDocument/2006/math">
                     <m:oMathParaPr>
@@ -9122,7 +9177,7 @@
             </p:txBody>
           </p:sp>
         </mc:Choice>
-        <mc:Fallback>
+        <mc:Fallback xmlns="">
           <p:sp>
             <p:nvSpPr>
               <p:cNvPr id="43" name="TextBox 42">
@@ -9167,8 +9222,8 @@
           </p:sp>
         </mc:Fallback>
       </mc:AlternateContent>
-      <mc:AlternateContent xmlns:mc="http://schemas.openxmlformats.org/markup-compatibility/2006">
-        <mc:Choice xmlns:a14="http://schemas.microsoft.com/office/drawing/2010/main" Requires="a14">
+      <mc:AlternateContent xmlns:mc="http://schemas.openxmlformats.org/markup-compatibility/2006" xmlns:a14="http://schemas.microsoft.com/office/drawing/2010/main">
+        <mc:Choice Requires="a14">
           <p:sp>
             <p:nvSpPr>
               <p:cNvPr id="44" name="TextBox 43">
@@ -9197,6 +9252,7 @@
               </a:bodyPr>
               <a:lstStyle/>
               <a:p>
+                <a:pPr/>
                 <a14:m>
                   <m:oMathPara xmlns:m="http://schemas.openxmlformats.org/officeDocument/2006/math">
                     <m:oMathParaPr>
@@ -9223,7 +9279,7 @@
             </p:txBody>
           </p:sp>
         </mc:Choice>
-        <mc:Fallback>
+        <mc:Fallback xmlns="">
           <p:sp>
             <p:nvSpPr>
               <p:cNvPr id="44" name="TextBox 43">
@@ -9268,8 +9324,8 @@
           </p:sp>
         </mc:Fallback>
       </mc:AlternateContent>
-      <mc:AlternateContent xmlns:mc="http://schemas.openxmlformats.org/markup-compatibility/2006">
-        <mc:Choice xmlns:a14="http://schemas.microsoft.com/office/drawing/2010/main" Requires="a14">
+      <mc:AlternateContent xmlns:mc="http://schemas.openxmlformats.org/markup-compatibility/2006" xmlns:a14="http://schemas.microsoft.com/office/drawing/2010/main">
+        <mc:Choice Requires="a14">
           <p:sp>
             <p:nvSpPr>
               <p:cNvPr id="45" name="TextBox 44">
@@ -9298,6 +9354,7 @@
               </a:bodyPr>
               <a:lstStyle/>
               <a:p>
+                <a:pPr/>
                 <a14:m>
                   <m:oMathPara xmlns:m="http://schemas.openxmlformats.org/officeDocument/2006/math">
                     <m:oMathParaPr>
@@ -9336,7 +9393,7 @@
             </p:txBody>
           </p:sp>
         </mc:Choice>
-        <mc:Fallback>
+        <mc:Fallback xmlns="">
           <p:sp>
             <p:nvSpPr>
               <p:cNvPr id="45" name="TextBox 44">
@@ -9923,8 +9980,8 @@
             <a:chExt cx="553037" cy="4880909"/>
           </a:xfrm>
         </p:grpSpPr>
-        <mc:AlternateContent xmlns:mc="http://schemas.openxmlformats.org/markup-compatibility/2006">
-          <mc:Choice xmlns:a14="http://schemas.microsoft.com/office/drawing/2010/main" Requires="a14">
+        <mc:AlternateContent xmlns:mc="http://schemas.openxmlformats.org/markup-compatibility/2006" xmlns:a14="http://schemas.microsoft.com/office/drawing/2010/main">
+          <mc:Choice Requires="a14">
             <p:sp>
               <p:nvSpPr>
                 <p:cNvPr id="10" name="TextBox 9">
@@ -9953,6 +10010,7 @@
                 </a:bodyPr>
                 <a:lstStyle/>
                 <a:p>
+                  <a:pPr/>
                   <a14:m>
                     <m:oMathPara xmlns:m="http://schemas.openxmlformats.org/officeDocument/2006/math">
                       <m:oMathParaPr>
@@ -9979,7 +10037,7 @@
               </p:txBody>
             </p:sp>
           </mc:Choice>
-          <mc:Fallback>
+          <mc:Fallback xmlns="">
             <p:sp>
               <p:nvSpPr>
                 <p:cNvPr id="10" name="TextBox 9">
@@ -10024,8 +10082,8 @@
             </p:sp>
           </mc:Fallback>
         </mc:AlternateContent>
-        <mc:AlternateContent xmlns:mc="http://schemas.openxmlformats.org/markup-compatibility/2006">
-          <mc:Choice xmlns:a14="http://schemas.microsoft.com/office/drawing/2010/main" Requires="a14">
+        <mc:AlternateContent xmlns:mc="http://schemas.openxmlformats.org/markup-compatibility/2006" xmlns:a14="http://schemas.microsoft.com/office/drawing/2010/main">
+          <mc:Choice Requires="a14">
             <p:sp>
               <p:nvSpPr>
                 <p:cNvPr id="11" name="TextBox 10">
@@ -10054,6 +10112,7 @@
                 </a:bodyPr>
                 <a:lstStyle/>
                 <a:p>
+                  <a:pPr/>
                   <a14:m>
                     <m:oMathPara xmlns:m="http://schemas.openxmlformats.org/officeDocument/2006/math">
                       <m:oMathParaPr>
@@ -10080,7 +10139,7 @@
               </p:txBody>
             </p:sp>
           </mc:Choice>
-          <mc:Fallback>
+          <mc:Fallback xmlns="">
             <p:sp>
               <p:nvSpPr>
                 <p:cNvPr id="11" name="TextBox 10">
@@ -10125,8 +10184,8 @@
             </p:sp>
           </mc:Fallback>
         </mc:AlternateContent>
-        <mc:AlternateContent xmlns:mc="http://schemas.openxmlformats.org/markup-compatibility/2006">
-          <mc:Choice xmlns:a14="http://schemas.microsoft.com/office/drawing/2010/main" Requires="a14">
+        <mc:AlternateContent xmlns:mc="http://schemas.openxmlformats.org/markup-compatibility/2006" xmlns:a14="http://schemas.microsoft.com/office/drawing/2010/main">
+          <mc:Choice Requires="a14">
             <p:sp>
               <p:nvSpPr>
                 <p:cNvPr id="12" name="TextBox 11">
@@ -10155,6 +10214,7 @@
                 </a:bodyPr>
                 <a:lstStyle/>
                 <a:p>
+                  <a:pPr/>
                   <a14:m>
                     <m:oMathPara xmlns:m="http://schemas.openxmlformats.org/officeDocument/2006/math">
                       <m:oMathParaPr>
@@ -10181,7 +10241,7 @@
               </p:txBody>
             </p:sp>
           </mc:Choice>
-          <mc:Fallback>
+          <mc:Fallback xmlns="">
             <p:sp>
               <p:nvSpPr>
                 <p:cNvPr id="12" name="TextBox 11">
@@ -10706,8 +10766,8 @@
           </a:fontRef>
         </p:style>
       </p:cxnSp>
-      <mc:AlternateContent xmlns:mc="http://schemas.openxmlformats.org/markup-compatibility/2006">
-        <mc:Choice xmlns:a14="http://schemas.microsoft.com/office/drawing/2010/main" Requires="a14">
+      <mc:AlternateContent xmlns:mc="http://schemas.openxmlformats.org/markup-compatibility/2006" xmlns:a14="http://schemas.microsoft.com/office/drawing/2010/main">
+        <mc:Choice Requires="a14">
           <p:sp>
             <p:nvSpPr>
               <p:cNvPr id="18" name="TextBox 17">
@@ -10736,6 +10796,7 @@
               </a:bodyPr>
               <a:lstStyle/>
               <a:p>
+                <a:pPr/>
                 <a14:m>
                   <m:oMathPara xmlns:m="http://schemas.openxmlformats.org/officeDocument/2006/math">
                     <m:oMathParaPr>
@@ -10762,7 +10823,7 @@
             </p:txBody>
           </p:sp>
         </mc:Choice>
-        <mc:Fallback>
+        <mc:Fallback xmlns="">
           <p:sp>
             <p:nvSpPr>
               <p:cNvPr id="18" name="TextBox 17">
@@ -11299,8 +11360,8 @@
             <a:chExt cx="553037" cy="4880909"/>
           </a:xfrm>
         </p:grpSpPr>
-        <mc:AlternateContent xmlns:mc="http://schemas.openxmlformats.org/markup-compatibility/2006">
-          <mc:Choice xmlns:a14="http://schemas.microsoft.com/office/drawing/2010/main" Requires="a14">
+        <mc:AlternateContent xmlns:mc="http://schemas.openxmlformats.org/markup-compatibility/2006" xmlns:a14="http://schemas.microsoft.com/office/drawing/2010/main">
+          <mc:Choice Requires="a14">
             <p:sp>
               <p:nvSpPr>
                 <p:cNvPr id="70" name="TextBox 69">
@@ -11329,6 +11390,7 @@
                 </a:bodyPr>
                 <a:lstStyle/>
                 <a:p>
+                  <a:pPr/>
                   <a14:m>
                     <m:oMathPara xmlns:m="http://schemas.openxmlformats.org/officeDocument/2006/math">
                       <m:oMathParaPr>
@@ -11367,7 +11429,7 @@
               </p:txBody>
             </p:sp>
           </mc:Choice>
-          <mc:Fallback>
+          <mc:Fallback xmlns="">
             <p:sp>
               <p:nvSpPr>
                 <p:cNvPr id="70" name="TextBox 69">
@@ -11412,8 +11474,8 @@
             </p:sp>
           </mc:Fallback>
         </mc:AlternateContent>
-        <mc:AlternateContent xmlns:mc="http://schemas.openxmlformats.org/markup-compatibility/2006">
-          <mc:Choice xmlns:a14="http://schemas.microsoft.com/office/drawing/2010/main" Requires="a14">
+        <mc:AlternateContent xmlns:mc="http://schemas.openxmlformats.org/markup-compatibility/2006" xmlns:a14="http://schemas.microsoft.com/office/drawing/2010/main">
+          <mc:Choice Requires="a14">
             <p:sp>
               <p:nvSpPr>
                 <p:cNvPr id="71" name="TextBox 70">
@@ -11442,6 +11504,7 @@
                 </a:bodyPr>
                 <a:lstStyle/>
                 <a:p>
+                  <a:pPr/>
                   <a14:m>
                     <m:oMathPara xmlns:m="http://schemas.openxmlformats.org/officeDocument/2006/math">
                       <m:oMathParaPr>
@@ -11480,7 +11543,7 @@
               </p:txBody>
             </p:sp>
           </mc:Choice>
-          <mc:Fallback>
+          <mc:Fallback xmlns="">
             <p:sp>
               <p:nvSpPr>
                 <p:cNvPr id="71" name="TextBox 70">
@@ -11525,8 +11588,8 @@
             </p:sp>
           </mc:Fallback>
         </mc:AlternateContent>
-        <mc:AlternateContent xmlns:mc="http://schemas.openxmlformats.org/markup-compatibility/2006">
-          <mc:Choice xmlns:a14="http://schemas.microsoft.com/office/drawing/2010/main" Requires="a14">
+        <mc:AlternateContent xmlns:mc="http://schemas.openxmlformats.org/markup-compatibility/2006" xmlns:a14="http://schemas.microsoft.com/office/drawing/2010/main">
+          <mc:Choice Requires="a14">
             <p:sp>
               <p:nvSpPr>
                 <p:cNvPr id="72" name="TextBox 71">
@@ -11555,6 +11618,7 @@
                 </a:bodyPr>
                 <a:lstStyle/>
                 <a:p>
+                  <a:pPr/>
                   <a14:m>
                     <m:oMathPara xmlns:m="http://schemas.openxmlformats.org/officeDocument/2006/math">
                       <m:oMathParaPr>
@@ -11593,7 +11657,7 @@
               </p:txBody>
             </p:sp>
           </mc:Choice>
-          <mc:Fallback>
+          <mc:Fallback xmlns="">
             <p:sp>
               <p:nvSpPr>
                 <p:cNvPr id="72" name="TextBox 71">
@@ -13594,8 +13658,8 @@
             </p:spPr>
           </p:pic>
         </p:grpSp>
-        <mc:AlternateContent xmlns:mc="http://schemas.openxmlformats.org/markup-compatibility/2006">
-          <mc:Choice xmlns:a14="http://schemas.microsoft.com/office/drawing/2010/main" Requires="a14">
+        <mc:AlternateContent xmlns:mc="http://schemas.openxmlformats.org/markup-compatibility/2006" xmlns:a14="http://schemas.microsoft.com/office/drawing/2010/main">
+          <mc:Choice Requires="a14">
             <p:sp>
               <p:nvSpPr>
                 <p:cNvPr id="32" name="TextBox 31">
@@ -13624,6 +13688,7 @@
                 </a:bodyPr>
                 <a:lstStyle/>
                 <a:p>
+                  <a:pPr/>
                   <a14:m>
                     <m:oMathPara xmlns:m="http://schemas.openxmlformats.org/officeDocument/2006/math">
                       <m:oMathParaPr>
@@ -13663,7 +13728,7 @@
               </p:txBody>
             </p:sp>
           </mc:Choice>
-          <mc:Fallback>
+          <mc:Fallback xmlns="">
             <p:sp>
               <p:nvSpPr>
                 <p:cNvPr id="32" name="TextBox 31">
@@ -13708,8 +13773,8 @@
             </p:sp>
           </mc:Fallback>
         </mc:AlternateContent>
-        <mc:AlternateContent xmlns:mc="http://schemas.openxmlformats.org/markup-compatibility/2006">
-          <mc:Choice xmlns:a14="http://schemas.microsoft.com/office/drawing/2010/main" Requires="a14">
+        <mc:AlternateContent xmlns:mc="http://schemas.openxmlformats.org/markup-compatibility/2006" xmlns:a14="http://schemas.microsoft.com/office/drawing/2010/main">
+          <mc:Choice Requires="a14">
             <p:sp>
               <p:nvSpPr>
                 <p:cNvPr id="33" name="TextBox 32">
@@ -13738,6 +13803,7 @@
                 </a:bodyPr>
                 <a:lstStyle/>
                 <a:p>
+                  <a:pPr/>
                   <a14:m>
                     <m:oMathPara xmlns:m="http://schemas.openxmlformats.org/officeDocument/2006/math">
                       <m:oMathParaPr>
@@ -13777,7 +13843,7 @@
               </p:txBody>
             </p:sp>
           </mc:Choice>
-          <mc:Fallback>
+          <mc:Fallback xmlns="">
             <p:sp>
               <p:nvSpPr>
                 <p:cNvPr id="33" name="TextBox 32">
@@ -13822,8 +13888,8 @@
             </p:sp>
           </mc:Fallback>
         </mc:AlternateContent>
-        <mc:AlternateContent xmlns:mc="http://schemas.openxmlformats.org/markup-compatibility/2006">
-          <mc:Choice xmlns:a14="http://schemas.microsoft.com/office/drawing/2010/main" Requires="a14">
+        <mc:AlternateContent xmlns:mc="http://schemas.openxmlformats.org/markup-compatibility/2006" xmlns:a14="http://schemas.microsoft.com/office/drawing/2010/main">
+          <mc:Choice Requires="a14">
             <p:sp>
               <p:nvSpPr>
                 <p:cNvPr id="34" name="TextBox 33">
@@ -13852,6 +13918,7 @@
                 </a:bodyPr>
                 <a:lstStyle/>
                 <a:p>
+                  <a:pPr/>
                   <a14:m>
                     <m:oMathPara xmlns:m="http://schemas.openxmlformats.org/officeDocument/2006/math">
                       <m:oMathParaPr>
@@ -13891,7 +13958,7 @@
               </p:txBody>
             </p:sp>
           </mc:Choice>
-          <mc:Fallback>
+          <mc:Fallback xmlns="">
             <p:sp>
               <p:nvSpPr>
                 <p:cNvPr id="34" name="TextBox 33">
@@ -13936,8 +14003,8 @@
             </p:sp>
           </mc:Fallback>
         </mc:AlternateContent>
-        <mc:AlternateContent xmlns:mc="http://schemas.openxmlformats.org/markup-compatibility/2006">
-          <mc:Choice xmlns:a14="http://schemas.microsoft.com/office/drawing/2010/main" Requires="a14">
+        <mc:AlternateContent xmlns:mc="http://schemas.openxmlformats.org/markup-compatibility/2006" xmlns:a14="http://schemas.microsoft.com/office/drawing/2010/main">
+          <mc:Choice Requires="a14">
             <p:sp>
               <p:nvSpPr>
                 <p:cNvPr id="35" name="TextBox 34">
@@ -13966,6 +14033,7 @@
                 </a:bodyPr>
                 <a:lstStyle/>
                 <a:p>
+                  <a:pPr/>
                   <a14:m>
                     <m:oMathPara xmlns:m="http://schemas.openxmlformats.org/officeDocument/2006/math">
                       <m:oMathParaPr>
@@ -14005,7 +14073,7 @@
               </p:txBody>
             </p:sp>
           </mc:Choice>
-          <mc:Fallback>
+          <mc:Fallback xmlns="">
             <p:sp>
               <p:nvSpPr>
                 <p:cNvPr id="35" name="TextBox 34">
@@ -14050,8 +14118,8 @@
             </p:sp>
           </mc:Fallback>
         </mc:AlternateContent>
-        <mc:AlternateContent xmlns:mc="http://schemas.openxmlformats.org/markup-compatibility/2006">
-          <mc:Choice xmlns:a14="http://schemas.microsoft.com/office/drawing/2010/main" Requires="a14">
+        <mc:AlternateContent xmlns:mc="http://schemas.openxmlformats.org/markup-compatibility/2006" xmlns:a14="http://schemas.microsoft.com/office/drawing/2010/main">
+          <mc:Choice Requires="a14">
             <p:sp>
               <p:nvSpPr>
                 <p:cNvPr id="36" name="TextBox 35">
@@ -14080,6 +14148,7 @@
                 </a:bodyPr>
                 <a:lstStyle/>
                 <a:p>
+                  <a:pPr/>
                   <a14:m>
                     <m:oMathPara xmlns:m="http://schemas.openxmlformats.org/officeDocument/2006/math">
                       <m:oMathParaPr>
@@ -14119,7 +14188,7 @@
               </p:txBody>
             </p:sp>
           </mc:Choice>
-          <mc:Fallback>
+          <mc:Fallback xmlns="">
             <p:sp>
               <p:nvSpPr>
                 <p:cNvPr id="36" name="TextBox 35">
@@ -14164,8 +14233,8 @@
             </p:sp>
           </mc:Fallback>
         </mc:AlternateContent>
-        <mc:AlternateContent xmlns:mc="http://schemas.openxmlformats.org/markup-compatibility/2006">
-          <mc:Choice xmlns:a14="http://schemas.microsoft.com/office/drawing/2010/main" Requires="a14">
+        <mc:AlternateContent xmlns:mc="http://schemas.openxmlformats.org/markup-compatibility/2006" xmlns:a14="http://schemas.microsoft.com/office/drawing/2010/main">
+          <mc:Choice Requires="a14">
             <p:sp>
               <p:nvSpPr>
                 <p:cNvPr id="37" name="TextBox 36">
@@ -14194,6 +14263,7 @@
                 </a:bodyPr>
                 <a:lstStyle/>
                 <a:p>
+                  <a:pPr/>
                   <a14:m>
                     <m:oMathPara xmlns:m="http://schemas.openxmlformats.org/officeDocument/2006/math">
                       <m:oMathParaPr>
@@ -14233,7 +14303,7 @@
               </p:txBody>
             </p:sp>
           </mc:Choice>
-          <mc:Fallback>
+          <mc:Fallback xmlns="">
             <p:sp>
               <p:nvSpPr>
                 <p:cNvPr id="37" name="TextBox 36">
